--- a/Презентация pybot.pptx
+++ b/Презентация pybot.pptx
@@ -113,6 +113,11 @@
       </a:defRPr>
     </a:lvl9pPr>
   </p:defaultTextStyle>
+  <p:extLst>
+    <p:ext uri="{EFAFB233-063F-42B5-8137-9DF3F51BA10A}">
+      <p15:sldGuideLst xmlns:p15="http://schemas.microsoft.com/office/powerpoint/2012/main"/>
+    </p:ext>
+  </p:extLst>
 </p:presentation>
 </file>
 
@@ -5620,23 +5625,57 @@
         </p:nvSpPr>
         <p:spPr>
           <a:xfrm>
-            <a:off x="7678455" y="5949863"/>
-            <a:ext cx="4444379" cy="908137"/>
+            <a:off x="7678455" y="5665509"/>
+            <a:ext cx="4444379" cy="1192491"/>
           </a:xfrm>
         </p:spPr>
         <p:txBody>
           <a:bodyPr>
-            <a:normAutofit fontScale="92500"/>
+            <a:normAutofit fontScale="92500" lnSpcReduction="10000"/>
           </a:bodyPr>
           <a:lstStyle/>
           <a:p>
             <a:r>
+              <a:rPr lang="en-US" b="1" dirty="0" err="1" smtClean="0">
+                <a:solidFill>
+                  <a:schemeClr val="tx1"/>
+                </a:solidFill>
+              </a:rPr>
+              <a:t>Bot_id</a:t>
+            </a:r>
+            <a:r>
+              <a:rPr lang="en-US" b="1">
+                <a:solidFill>
+                  <a:schemeClr val="tx1"/>
+                </a:solidFill>
+              </a:rPr>
+              <a:t>=</a:t>
+            </a:r>
+            <a:r>
+              <a:rPr lang="en-US" b="1" smtClean="0">
+                <a:solidFill>
+                  <a:schemeClr val="tx1"/>
+                </a:solidFill>
+              </a:rPr>
+              <a:t>@bot1048576bot</a:t>
+            </a:r>
+          </a:p>
+          <a:p>
+            <a:r>
+              <a:rPr lang="ru-RU" b="1" smtClean="0">
+                <a:solidFill>
+                  <a:schemeClr val="tx1"/>
+                </a:solidFill>
+              </a:rPr>
+              <a:t>Выполнил</a:t>
+            </a:r>
+            <a:r>
               <a:rPr lang="ru-RU" b="1" dirty="0" smtClean="0">
                 <a:solidFill>
                   <a:schemeClr val="tx1"/>
                 </a:solidFill>
               </a:rPr>
-              <a:t>Выполнил:</a:t>
+              <a:t>:</a:t>
             </a:r>
           </a:p>
           <a:p>
@@ -6250,13 +6289,13 @@
   <p:clrMapOvr>
     <a:masterClrMapping/>
   </p:clrMapOvr>
-  <mc:AlternateContent xmlns:mc="http://schemas.openxmlformats.org/markup-compatibility/2006">
-    <mc:Choice xmlns:p14="http://schemas.microsoft.com/office/powerpoint/2010/main" Requires="p14">
+  <mc:AlternateContent xmlns:mc="http://schemas.openxmlformats.org/markup-compatibility/2006" xmlns:p14="http://schemas.microsoft.com/office/powerpoint/2010/main">
+    <mc:Choice Requires="p14">
       <p:transition spd="slow" p14:dur="4400">
         <p14:honeycomb/>
       </p:transition>
     </mc:Choice>
-    <mc:Fallback>
+    <mc:Fallback xmlns="">
       <p:transition spd="slow">
         <p:fade/>
       </p:transition>
@@ -6477,13 +6516,13 @@
   <p:clrMapOvr>
     <a:masterClrMapping/>
   </p:clrMapOvr>
-  <mc:AlternateContent xmlns:mc="http://schemas.openxmlformats.org/markup-compatibility/2006">
-    <mc:Choice xmlns:p15="http://schemas.microsoft.com/office/powerpoint/2012/main" Requires="p15">
+  <mc:AlternateContent xmlns:mc="http://schemas.openxmlformats.org/markup-compatibility/2006" xmlns:p15="http://schemas.microsoft.com/office/powerpoint/2012/main">
+    <mc:Choice Requires="p15">
       <p:transition xmlns:p14="http://schemas.microsoft.com/office/powerpoint/2010/main" spd="slow" p14:dur="2000">
         <p15:prstTrans prst="fracture"/>
       </p:transition>
     </mc:Choice>
-    <mc:Fallback>
+    <mc:Fallback xmlns="">
       <p:transition spd="slow">
         <p:fade/>
       </p:transition>
@@ -7118,13 +7157,13 @@
   <p:clrMapOvr>
     <a:masterClrMapping/>
   </p:clrMapOvr>
-  <mc:AlternateContent xmlns:mc="http://schemas.openxmlformats.org/markup-compatibility/2006">
-    <mc:Choice xmlns:p15="http://schemas.microsoft.com/office/powerpoint/2012/main" Requires="p15">
+  <mc:AlternateContent xmlns:mc="http://schemas.openxmlformats.org/markup-compatibility/2006" xmlns:p15="http://schemas.microsoft.com/office/powerpoint/2012/main">
+    <mc:Choice Requires="p15">
       <p:transition xmlns:p14="http://schemas.microsoft.com/office/powerpoint/2010/main" spd="slow" p14:dur="2000">
         <p15:prstTrans prst="wind"/>
       </p:transition>
     </mc:Choice>
-    <mc:Fallback>
+    <mc:Fallback xmlns="">
       <p:transition spd="slow">
         <p:fade/>
       </p:transition>
@@ -9037,13 +9076,13 @@
   <p:clrMapOvr>
     <a:masterClrMapping/>
   </p:clrMapOvr>
-  <mc:AlternateContent xmlns:mc="http://schemas.openxmlformats.org/markup-compatibility/2006">
-    <mc:Choice xmlns:p15="http://schemas.microsoft.com/office/powerpoint/2012/main" Requires="p15">
+  <mc:AlternateContent xmlns:mc="http://schemas.openxmlformats.org/markup-compatibility/2006" xmlns:p15="http://schemas.microsoft.com/office/powerpoint/2012/main">
+    <mc:Choice Requires="p15">
       <p:transition xmlns:p14="http://schemas.microsoft.com/office/powerpoint/2010/main" spd="slow" p14:dur="6000">
         <p15:prstTrans prst="curtains"/>
       </p:transition>
     </mc:Choice>
-    <mc:Fallback>
+    <mc:Fallback xmlns="">
       <p:transition spd="slow">
         <p:fade/>
       </p:transition>
@@ -10595,13 +10634,13 @@
   <p:clrMapOvr>
     <a:masterClrMapping/>
   </p:clrMapOvr>
-  <mc:AlternateContent xmlns:mc="http://schemas.openxmlformats.org/markup-compatibility/2006">
-    <mc:Choice xmlns:p15="http://schemas.microsoft.com/office/powerpoint/2012/main" Requires="p15">
+  <mc:AlternateContent xmlns:mc="http://schemas.openxmlformats.org/markup-compatibility/2006" xmlns:p15="http://schemas.microsoft.com/office/powerpoint/2012/main">
+    <mc:Choice Requires="p15">
       <p:transition xmlns:p14="http://schemas.microsoft.com/office/powerpoint/2010/main" spd="slow" p14:dur="1250">
         <p15:prstTrans prst="airplane"/>
       </p:transition>
     </mc:Choice>
-    <mc:Fallback>
+    <mc:Fallback xmlns="">
       <p:transition spd="slow">
         <p:fade/>
       </p:transition>
@@ -12174,13 +12213,13 @@
   <p:clrMapOvr>
     <a:masterClrMapping/>
   </p:clrMapOvr>
-  <mc:AlternateContent xmlns:mc="http://schemas.openxmlformats.org/markup-compatibility/2006">
-    <mc:Choice xmlns:p15="http://schemas.microsoft.com/office/powerpoint/2012/main" Requires="p15">
+  <mc:AlternateContent xmlns:mc="http://schemas.openxmlformats.org/markup-compatibility/2006" xmlns:p15="http://schemas.microsoft.com/office/powerpoint/2012/main">
+    <mc:Choice Requires="p15">
       <p:transition xmlns:p14="http://schemas.microsoft.com/office/powerpoint/2010/main" spd="slow" p14:dur="2000">
         <p15:prstTrans prst="crush"/>
       </p:transition>
     </mc:Choice>
-    <mc:Fallback>
+    <mc:Fallback xmlns="">
       <p:transition spd="slow">
         <p:fade/>
       </p:transition>
@@ -13714,13 +13753,13 @@
   <p:clrMapOvr>
     <a:masterClrMapping/>
   </p:clrMapOvr>
-  <mc:AlternateContent xmlns:mc="http://schemas.openxmlformats.org/markup-compatibility/2006">
-    <mc:Choice xmlns:p14="http://schemas.microsoft.com/office/powerpoint/2010/main" Requires="p14">
+  <mc:AlternateContent xmlns:mc="http://schemas.openxmlformats.org/markup-compatibility/2006" xmlns:p14="http://schemas.microsoft.com/office/powerpoint/2010/main">
+    <mc:Choice Requires="p14">
       <p:transition spd="slow" p14:dur="3900">
         <p14:glitter pattern="hexagon"/>
       </p:transition>
     </mc:Choice>
-    <mc:Fallback>
+    <mc:Fallback xmlns="">
       <p:transition spd="slow">
         <p:fade/>
       </p:transition>
@@ -14430,13 +14469,13 @@
   <p:clrMapOvr>
     <a:masterClrMapping/>
   </p:clrMapOvr>
-  <mc:AlternateContent xmlns:mc="http://schemas.openxmlformats.org/markup-compatibility/2006">
-    <mc:Choice xmlns:p15="http://schemas.microsoft.com/office/powerpoint/2012/main" Requires="p15">
+  <mc:AlternateContent xmlns:mc="http://schemas.openxmlformats.org/markup-compatibility/2006" xmlns:p15="http://schemas.microsoft.com/office/powerpoint/2012/main">
+    <mc:Choice Requires="p15">
       <p:transition xmlns:p14="http://schemas.microsoft.com/office/powerpoint/2010/main" spd="slow" p14:dur="3250">
         <p15:prstTrans prst="origami"/>
       </p:transition>
     </mc:Choice>
-    <mc:Fallback>
+    <mc:Fallback xmlns="">
       <p:transition spd="slow">
         <p:fade/>
       </p:transition>
@@ -15349,13 +15388,13 @@
   <p:clrMapOvr>
     <a:masterClrMapping/>
   </p:clrMapOvr>
-  <mc:AlternateContent xmlns:mc="http://schemas.openxmlformats.org/markup-compatibility/2006">
-    <mc:Choice xmlns:p14="http://schemas.microsoft.com/office/powerpoint/2010/main" Requires="p14">
+  <mc:AlternateContent xmlns:mc="http://schemas.openxmlformats.org/markup-compatibility/2006" xmlns:p14="http://schemas.microsoft.com/office/powerpoint/2010/main">
+    <mc:Choice Requires="p14">
       <p:transition spd="slow" p14:dur="4000">
         <p14:vortex dir="r"/>
       </p:transition>
     </mc:Choice>
-    <mc:Fallback>
+    <mc:Fallback xmlns="">
       <p:transition spd="slow">
         <p:fade/>
       </p:transition>

--- a/Презентация pybot.pptx
+++ b/Презентация pybot.pptx
@@ -7246,8 +7246,8 @@
         </p:nvSpPr>
         <p:spPr>
           <a:xfrm>
-            <a:off x="0" y="886120"/>
-            <a:ext cx="12192000" cy="6022161"/>
+            <a:off x="0" y="1226588"/>
+            <a:ext cx="12192000" cy="5160387"/>
           </a:xfrm>
           <a:prstGeom prst="rect">
             <a:avLst/>
@@ -8823,243 +8823,19 @@
                 <a:ea typeface="Calibri" panose="020F0502020204030204" pitchFamily="34" charset="0"/>
                 <a:cs typeface="Times New Roman" panose="02020603050405020304" pitchFamily="18" charset="0"/>
               </a:rPr>
-              <a:t># уменьшить рейтинг в крестиках-ноликах на 1</a:t>
+              <a:t># уменьшить рейтинг в крестиках-ноликах на </a:t>
+            </a:r>
+            <a:r>
+              <a:rPr lang="ru-RU" sz="1200" dirty="0" smtClean="0">
+                <a:solidFill>
+                  <a:srgbClr val="B2B2B2"/>
+                </a:solidFill>
+                <a:ea typeface="Calibri" panose="020F0502020204030204" pitchFamily="34" charset="0"/>
+                <a:cs typeface="Times New Roman" panose="02020603050405020304" pitchFamily="18" charset="0"/>
+              </a:rPr>
+              <a:t>1</a:t>
             </a:r>
             <a:endParaRPr lang="ru-RU" sz="1200" dirty="0">
-              <a:ea typeface="Calibri" panose="020F0502020204030204" pitchFamily="34" charset="0"/>
-              <a:cs typeface="Times New Roman" panose="02020603050405020304" pitchFamily="18" charset="0"/>
-            </a:endParaRPr>
-          </a:p>
-          <a:p>
-            <a:pPr>
-              <a:spcAft>
-                <a:spcPts val="800"/>
-              </a:spcAft>
-            </a:pPr>
-            <a:r>
-              <a:rPr lang="ru-RU" sz="1200" b="1" dirty="0" smtClean="0">
-                <a:solidFill>
-                  <a:srgbClr val="E98211"/>
-                </a:solidFill>
-                <a:ea typeface="Calibri" panose="020F0502020204030204" pitchFamily="34" charset="0"/>
-                <a:cs typeface="Times New Roman" panose="02020603050405020304" pitchFamily="18" charset="0"/>
-              </a:rPr>
-              <a:t>Модуль </a:t>
-            </a:r>
-            <a:r>
-              <a:rPr lang="en-US" sz="1200" b="1" dirty="0" err="1">
-                <a:solidFill>
-                  <a:srgbClr val="EAEAEA"/>
-                </a:solidFill>
-                <a:ea typeface="Calibri" panose="020F0502020204030204" pitchFamily="34" charset="0"/>
-                <a:cs typeface="Times New Roman" panose="02020603050405020304" pitchFamily="18" charset="0"/>
-              </a:rPr>
-              <a:t>db</a:t>
-            </a:r>
-            <a:r>
-              <a:rPr lang="ru-RU" sz="1200" b="1" dirty="0">
-                <a:solidFill>
-                  <a:srgbClr val="EAEAEA"/>
-                </a:solidFill>
-                <a:ea typeface="Calibri" panose="020F0502020204030204" pitchFamily="34" charset="0"/>
-                <a:cs typeface="Times New Roman" panose="02020603050405020304" pitchFamily="18" charset="0"/>
-              </a:rPr>
-              <a:t>_</a:t>
-            </a:r>
-            <a:r>
-              <a:rPr lang="en-US" sz="1200" b="1" dirty="0" err="1">
-                <a:solidFill>
-                  <a:srgbClr val="EAEAEA"/>
-                </a:solidFill>
-                <a:ea typeface="Calibri" panose="020F0502020204030204" pitchFamily="34" charset="0"/>
-                <a:cs typeface="Times New Roman" panose="02020603050405020304" pitchFamily="18" charset="0"/>
-              </a:rPr>
-              <a:t>sess</a:t>
-            </a:r>
-            <a:r>
-              <a:rPr lang="ru-RU" sz="1200" b="1" dirty="0">
-                <a:solidFill>
-                  <a:srgbClr val="EAEAEA"/>
-                </a:solidFill>
-                <a:ea typeface="Calibri" panose="020F0502020204030204" pitchFamily="34" charset="0"/>
-                <a:cs typeface="Times New Roman" panose="02020603050405020304" pitchFamily="18" charset="0"/>
-              </a:rPr>
-              <a:t>:</a:t>
-            </a:r>
-            <a:endParaRPr lang="ru-RU" sz="1200" dirty="0">
-              <a:ea typeface="Calibri" panose="020F0502020204030204" pitchFamily="34" charset="0"/>
-              <a:cs typeface="Times New Roman" panose="02020603050405020304" pitchFamily="18" charset="0"/>
-            </a:endParaRPr>
-          </a:p>
-          <a:p>
-            <a:pPr>
-              <a:spcAft>
-                <a:spcPts val="800"/>
-              </a:spcAft>
-            </a:pPr>
-            <a:r>
-              <a:rPr lang="ru-RU" sz="1200" dirty="0" smtClean="0">
-                <a:solidFill>
-                  <a:srgbClr val="EAEAEA"/>
-                </a:solidFill>
-                <a:ea typeface="Calibri" panose="020F0502020204030204" pitchFamily="34" charset="0"/>
-                <a:cs typeface="Times New Roman" panose="02020603050405020304" pitchFamily="18" charset="0"/>
-              </a:rPr>
-              <a:t>        </a:t>
-            </a:r>
-            <a:r>
-              <a:rPr lang="en-US" sz="1200" dirty="0" err="1">
-                <a:solidFill>
-                  <a:srgbClr val="E98211"/>
-                </a:solidFill>
-                <a:ea typeface="Calibri" panose="020F0502020204030204" pitchFamily="34" charset="0"/>
-                <a:cs typeface="Times New Roman" panose="02020603050405020304" pitchFamily="18" charset="0"/>
-              </a:rPr>
-              <a:t>def</a:t>
-            </a:r>
-            <a:r>
-              <a:rPr lang="en-US" sz="1200" dirty="0">
-                <a:solidFill>
-                  <a:srgbClr val="E98211"/>
-                </a:solidFill>
-                <a:ea typeface="Calibri" panose="020F0502020204030204" pitchFamily="34" charset="0"/>
-                <a:cs typeface="Times New Roman" panose="02020603050405020304" pitchFamily="18" charset="0"/>
-              </a:rPr>
-              <a:t> </a:t>
-            </a:r>
-            <a:r>
-              <a:rPr lang="en-US" sz="1200" dirty="0">
-                <a:solidFill>
-                  <a:srgbClr val="ECD860"/>
-                </a:solidFill>
-                <a:ea typeface="Calibri" panose="020F0502020204030204" pitchFamily="34" charset="0"/>
-                <a:cs typeface="Times New Roman" panose="02020603050405020304" pitchFamily="18" charset="0"/>
-              </a:rPr>
-              <a:t>global</a:t>
-            </a:r>
-            <a:r>
-              <a:rPr lang="ru-RU" sz="1200" dirty="0">
-                <a:solidFill>
-                  <a:srgbClr val="ECD860"/>
-                </a:solidFill>
-                <a:ea typeface="Calibri" panose="020F0502020204030204" pitchFamily="34" charset="0"/>
-                <a:cs typeface="Times New Roman" panose="02020603050405020304" pitchFamily="18" charset="0"/>
-              </a:rPr>
-              <a:t>_</a:t>
-            </a:r>
-            <a:r>
-              <a:rPr lang="en-US" sz="1200" dirty="0" err="1">
-                <a:solidFill>
-                  <a:srgbClr val="ECD860"/>
-                </a:solidFill>
-                <a:ea typeface="Calibri" panose="020F0502020204030204" pitchFamily="34" charset="0"/>
-                <a:cs typeface="Times New Roman" panose="02020603050405020304" pitchFamily="18" charset="0"/>
-              </a:rPr>
-              <a:t>init</a:t>
-            </a:r>
-            <a:r>
-              <a:rPr lang="en-US" sz="1200" dirty="0">
-                <a:solidFill>
-                  <a:srgbClr val="ECD860"/>
-                </a:solidFill>
-                <a:ea typeface="Calibri" panose="020F0502020204030204" pitchFamily="34" charset="0"/>
-                <a:cs typeface="Times New Roman" panose="02020603050405020304" pitchFamily="18" charset="0"/>
-              </a:rPr>
-              <a:t> </a:t>
-            </a:r>
-            <a:r>
-              <a:rPr lang="ru-RU" sz="1200" dirty="0">
-                <a:solidFill>
-                  <a:srgbClr val="B2B2B2"/>
-                </a:solidFill>
-                <a:ea typeface="Calibri" panose="020F0502020204030204" pitchFamily="34" charset="0"/>
-                <a:cs typeface="Times New Roman" panose="02020603050405020304" pitchFamily="18" charset="0"/>
-              </a:rPr>
-              <a:t># Если БД нет – создание БД, и инициализация в любом случае</a:t>
-            </a:r>
-            <a:endParaRPr lang="ru-RU" sz="1200" dirty="0">
-              <a:ea typeface="Calibri" panose="020F0502020204030204" pitchFamily="34" charset="0"/>
-              <a:cs typeface="Times New Roman" panose="02020603050405020304" pitchFamily="18" charset="0"/>
-            </a:endParaRPr>
-          </a:p>
-          <a:p>
-            <a:pPr>
-              <a:spcAft>
-                <a:spcPts val="800"/>
-              </a:spcAft>
-            </a:pPr>
-            <a:r>
-              <a:rPr lang="ru-RU" sz="1200" dirty="0" smtClean="0">
-                <a:solidFill>
-                  <a:srgbClr val="B2B2B2"/>
-                </a:solidFill>
-                <a:ea typeface="Calibri" panose="020F0502020204030204" pitchFamily="34" charset="0"/>
-                <a:cs typeface="Times New Roman" panose="02020603050405020304" pitchFamily="18" charset="0"/>
-              </a:rPr>
-              <a:t>        </a:t>
-            </a:r>
-            <a:r>
-              <a:rPr lang="en-US" sz="1200" dirty="0" err="1">
-                <a:solidFill>
-                  <a:srgbClr val="E98211"/>
-                </a:solidFill>
-                <a:ea typeface="Calibri" panose="020F0502020204030204" pitchFamily="34" charset="0"/>
-                <a:cs typeface="Times New Roman" panose="02020603050405020304" pitchFamily="18" charset="0"/>
-              </a:rPr>
-              <a:t>def</a:t>
-            </a:r>
-            <a:r>
-              <a:rPr lang="en-US" sz="1200" dirty="0">
-                <a:solidFill>
-                  <a:srgbClr val="E98211"/>
-                </a:solidFill>
-                <a:ea typeface="Calibri" panose="020F0502020204030204" pitchFamily="34" charset="0"/>
-                <a:cs typeface="Times New Roman" panose="02020603050405020304" pitchFamily="18" charset="0"/>
-              </a:rPr>
-              <a:t> </a:t>
-            </a:r>
-            <a:r>
-              <a:rPr lang="en-US" sz="1200" dirty="0" err="1">
-                <a:solidFill>
-                  <a:srgbClr val="ECD860"/>
-                </a:solidFill>
-                <a:ea typeface="Calibri" panose="020F0502020204030204" pitchFamily="34" charset="0"/>
-                <a:cs typeface="Times New Roman" panose="02020603050405020304" pitchFamily="18" charset="0"/>
-              </a:rPr>
-              <a:t>create_session</a:t>
-            </a:r>
-            <a:r>
-              <a:rPr lang="en-US" sz="1200" dirty="0">
-                <a:solidFill>
-                  <a:srgbClr val="E9C645"/>
-                </a:solidFill>
-                <a:ea typeface="Calibri" panose="020F0502020204030204" pitchFamily="34" charset="0"/>
-                <a:cs typeface="Times New Roman" panose="02020603050405020304" pitchFamily="18" charset="0"/>
-              </a:rPr>
-              <a:t> </a:t>
-            </a:r>
-            <a:r>
-              <a:rPr lang="en-US" sz="1200" dirty="0">
-                <a:solidFill>
-                  <a:srgbClr val="B2B2B2"/>
-                </a:solidFill>
-                <a:ea typeface="Calibri" panose="020F0502020204030204" pitchFamily="34" charset="0"/>
-                <a:cs typeface="Times New Roman" panose="02020603050405020304" pitchFamily="18" charset="0"/>
-              </a:rPr>
-              <a:t># </a:t>
-            </a:r>
-            <a:r>
-              <a:rPr lang="ru-RU" sz="1200" dirty="0">
-                <a:solidFill>
-                  <a:srgbClr val="B2B2B2"/>
-                </a:solidFill>
-                <a:ea typeface="Calibri" panose="020F0502020204030204" pitchFamily="34" charset="0"/>
-                <a:cs typeface="Times New Roman" panose="02020603050405020304" pitchFamily="18" charset="0"/>
-              </a:rPr>
-              <a:t>Создать сессию</a:t>
-            </a:r>
-            <a:endParaRPr lang="ru-RU" sz="1200" dirty="0">
-              <a:effectLst/>
               <a:ea typeface="Calibri" panose="020F0502020204030204" pitchFamily="34" charset="0"/>
               <a:cs typeface="Times New Roman" panose="02020603050405020304" pitchFamily="18" charset="0"/>
             </a:endParaRPr>
